--- a/Izveštaj pete kontrolne tačke.pptx
+++ b/Izveštaj pete kontrolne tačke.pptx
@@ -111,7 +111,7 @@
   </p:defaultTextStyle>
   <p:extLst>
     <p:ext uri="{EFAFB233-063F-42B5-8137-9DF3F51BA10A}">
-      <p15:sldGuideLst xmlns:p15="http://schemas.microsoft.com/office/powerpoint/2012/main" xmlns="">
+      <p15:sldGuideLst xmlns:p15="http://schemas.microsoft.com/office/powerpoint/2012/main">
         <p15:guide id="1" orient="horz" pos="2160">
           <p15:clr>
             <a:srgbClr val="A4A3A4"/>
@@ -362,7 +362,7 @@
     </p:spTree>
     <p:extLst>
       <p:ext uri="{BB962C8B-B14F-4D97-AF65-F5344CB8AC3E}">
-        <p14:creationId xmlns:p14="http://schemas.microsoft.com/office/powerpoint/2010/main" xmlns="" val="3754977739"/>
+        <p14:creationId xmlns:p14="http://schemas.microsoft.com/office/powerpoint/2010/main" val="3754977739"/>
       </p:ext>
     </p:extLst>
   </p:cSld>
@@ -532,7 +532,7 @@
     </p:spTree>
     <p:extLst>
       <p:ext uri="{BB962C8B-B14F-4D97-AF65-F5344CB8AC3E}">
-        <p14:creationId xmlns:p14="http://schemas.microsoft.com/office/powerpoint/2010/main" xmlns="" val="159340393"/>
+        <p14:creationId xmlns:p14="http://schemas.microsoft.com/office/powerpoint/2010/main" val="159340393"/>
       </p:ext>
     </p:extLst>
   </p:cSld>
@@ -712,7 +712,7 @@
     </p:spTree>
     <p:extLst>
       <p:ext uri="{BB962C8B-B14F-4D97-AF65-F5344CB8AC3E}">
-        <p14:creationId xmlns:p14="http://schemas.microsoft.com/office/powerpoint/2010/main" xmlns="" val="504398424"/>
+        <p14:creationId xmlns:p14="http://schemas.microsoft.com/office/powerpoint/2010/main" val="504398424"/>
       </p:ext>
     </p:extLst>
   </p:cSld>
@@ -882,7 +882,7 @@
     </p:spTree>
     <p:extLst>
       <p:ext uri="{BB962C8B-B14F-4D97-AF65-F5344CB8AC3E}">
-        <p14:creationId xmlns:p14="http://schemas.microsoft.com/office/powerpoint/2010/main" xmlns="" val="2248945572"/>
+        <p14:creationId xmlns:p14="http://schemas.microsoft.com/office/powerpoint/2010/main" val="2248945572"/>
       </p:ext>
     </p:extLst>
   </p:cSld>
@@ -1129,7 +1129,7 @@
     </p:spTree>
     <p:extLst>
       <p:ext uri="{BB962C8B-B14F-4D97-AF65-F5344CB8AC3E}">
-        <p14:creationId xmlns:p14="http://schemas.microsoft.com/office/powerpoint/2010/main" xmlns="" val="996826292"/>
+        <p14:creationId xmlns:p14="http://schemas.microsoft.com/office/powerpoint/2010/main" val="996826292"/>
       </p:ext>
     </p:extLst>
   </p:cSld>
@@ -1360,7 +1360,7 @@
     </p:spTree>
     <p:extLst>
       <p:ext uri="{BB962C8B-B14F-4D97-AF65-F5344CB8AC3E}">
-        <p14:creationId xmlns:p14="http://schemas.microsoft.com/office/powerpoint/2010/main" xmlns="" val="2951663318"/>
+        <p14:creationId xmlns:p14="http://schemas.microsoft.com/office/powerpoint/2010/main" val="2951663318"/>
       </p:ext>
     </p:extLst>
   </p:cSld>
@@ -1726,7 +1726,7 @@
     </p:spTree>
     <p:extLst>
       <p:ext uri="{BB962C8B-B14F-4D97-AF65-F5344CB8AC3E}">
-        <p14:creationId xmlns:p14="http://schemas.microsoft.com/office/powerpoint/2010/main" xmlns="" val="190673146"/>
+        <p14:creationId xmlns:p14="http://schemas.microsoft.com/office/powerpoint/2010/main" val="190673146"/>
       </p:ext>
     </p:extLst>
   </p:cSld>
@@ -1845,7 +1845,7 @@
     </p:spTree>
     <p:extLst>
       <p:ext uri="{BB962C8B-B14F-4D97-AF65-F5344CB8AC3E}">
-        <p14:creationId xmlns:p14="http://schemas.microsoft.com/office/powerpoint/2010/main" xmlns="" val="1778493608"/>
+        <p14:creationId xmlns:p14="http://schemas.microsoft.com/office/powerpoint/2010/main" val="1778493608"/>
       </p:ext>
     </p:extLst>
   </p:cSld>
@@ -1942,7 +1942,7 @@
     </p:spTree>
     <p:extLst>
       <p:ext uri="{BB962C8B-B14F-4D97-AF65-F5344CB8AC3E}">
-        <p14:creationId xmlns:p14="http://schemas.microsoft.com/office/powerpoint/2010/main" xmlns="" val="4052110305"/>
+        <p14:creationId xmlns:p14="http://schemas.microsoft.com/office/powerpoint/2010/main" val="4052110305"/>
       </p:ext>
     </p:extLst>
   </p:cSld>
@@ -2219,7 +2219,7 @@
     </p:spTree>
     <p:extLst>
       <p:ext uri="{BB962C8B-B14F-4D97-AF65-F5344CB8AC3E}">
-        <p14:creationId xmlns:p14="http://schemas.microsoft.com/office/powerpoint/2010/main" xmlns="" val="516417624"/>
+        <p14:creationId xmlns:p14="http://schemas.microsoft.com/office/powerpoint/2010/main" val="516417624"/>
       </p:ext>
     </p:extLst>
   </p:cSld>
@@ -2473,7 +2473,7 @@
     </p:spTree>
     <p:extLst>
       <p:ext uri="{BB962C8B-B14F-4D97-AF65-F5344CB8AC3E}">
-        <p14:creationId xmlns:p14="http://schemas.microsoft.com/office/powerpoint/2010/main" xmlns="" val="466110422"/>
+        <p14:creationId xmlns:p14="http://schemas.microsoft.com/office/powerpoint/2010/main" val="466110422"/>
       </p:ext>
     </p:extLst>
   </p:cSld>
@@ -2722,7 +2722,7 @@
     </p:spTree>
     <p:extLst>
       <p:ext uri="{BB962C8B-B14F-4D97-AF65-F5344CB8AC3E}">
-        <p14:creationId xmlns:p14="http://schemas.microsoft.com/office/powerpoint/2010/main" xmlns="" val="3586219106"/>
+        <p14:creationId xmlns:p14="http://schemas.microsoft.com/office/powerpoint/2010/main" val="3586219106"/>
       </p:ext>
     </p:extLst>
   </p:cSld>
@@ -3249,7 +3249,7 @@
     </p:spTree>
     <p:extLst>
       <p:ext uri="{BB962C8B-B14F-4D97-AF65-F5344CB8AC3E}">
-        <p14:creationId xmlns:p14="http://schemas.microsoft.com/office/powerpoint/2010/main" xmlns="" val="818319016"/>
+        <p14:creationId xmlns:p14="http://schemas.microsoft.com/office/powerpoint/2010/main" val="818319016"/>
       </p:ext>
     </p:extLst>
   </p:cSld>
@@ -3442,7 +3442,7 @@
     </p:spTree>
     <p:extLst>
       <p:ext uri="{BB962C8B-B14F-4D97-AF65-F5344CB8AC3E}">
-        <p14:creationId xmlns:p14="http://schemas.microsoft.com/office/powerpoint/2010/main" xmlns="" val="2406020007"/>
+        <p14:creationId xmlns:p14="http://schemas.microsoft.com/office/powerpoint/2010/main" val="2406020007"/>
       </p:ext>
     </p:extLst>
   </p:cSld>
@@ -3609,7 +3609,7 @@
     </p:spTree>
     <p:extLst>
       <p:ext uri="{BB962C8B-B14F-4D97-AF65-F5344CB8AC3E}">
-        <p14:creationId xmlns:p14="http://schemas.microsoft.com/office/powerpoint/2010/main" xmlns="" val="2141939435"/>
+        <p14:creationId xmlns:p14="http://schemas.microsoft.com/office/powerpoint/2010/main" val="2141939435"/>
       </p:ext>
     </p:extLst>
   </p:cSld>
@@ -3721,7 +3721,7 @@
         <p:spPr>
           <a:xfrm>
             <a:off x="1228436" y="2161309"/>
-            <a:ext cx="6119752" cy="1384995"/>
+            <a:ext cx="6119752" cy="2031325"/>
           </a:xfrm>
           <a:prstGeom prst="rect">
             <a:avLst/>
@@ -3756,7 +3756,24 @@
             </a:pPr>
             <a:r>
               <a:rPr lang="sr-Latn-RS" sz="2800" dirty="0" smtClean="0"/>
-              <a:t>Primenjen Clean Code na ceo projekat.</a:t>
+              <a:t>Primenjen Clean Code na ceo projekat</a:t>
+            </a:r>
+            <a:r>
+              <a:rPr lang="sr-Latn-RS" sz="2800" dirty="0" smtClean="0"/>
+              <a:t>.</a:t>
+            </a:r>
+          </a:p>
+          <a:p>
+            <a:pPr marL="285750" indent="-285750">
+              <a:lnSpc>
+                <a:spcPct val="150000"/>
+              </a:lnSpc>
+              <a:buFont typeface="Arial" panose="020B0604020202020204" pitchFamily="34" charset="0"/>
+              <a:buChar char="•"/>
+            </a:pPr>
+            <a:r>
+              <a:rPr lang="sr-Latn-RS" sz="2800" smtClean="0"/>
+              <a:t>Refaktorisan sekvencijalni dijagram.</a:t>
             </a:r>
             <a:endParaRPr lang="en-US" sz="2800" dirty="0"/>
           </a:p>
@@ -3765,7 +3782,7 @@
     </p:spTree>
     <p:extLst>
       <p:ext uri="{BB962C8B-B14F-4D97-AF65-F5344CB8AC3E}">
-        <p14:creationId xmlns:p14="http://schemas.microsoft.com/office/powerpoint/2010/main" xmlns="" val="3886278199"/>
+        <p14:creationId xmlns:p14="http://schemas.microsoft.com/office/powerpoint/2010/main" val="3886278199"/>
       </p:ext>
     </p:extLst>
   </p:cSld>
@@ -3873,7 +3890,7 @@
           <p:cNvPr id="5" name="TextBox 4">
             <a:extLst>
               <a:ext uri="{FF2B5EF4-FFF2-40B4-BE49-F238E27FC236}">
-                <a16:creationId xmlns:a16="http://schemas.microsoft.com/office/drawing/2014/main" xmlns="" id="{084D268D-0AAC-4463-B3A0-57D149DF6EFD}"/>
+                <a16:creationId xmlns:a16="http://schemas.microsoft.com/office/drawing/2014/main" id="{084D268D-0AAC-4463-B3A0-57D149DF6EFD}"/>
               </a:ext>
             </a:extLst>
           </p:cNvPr>
@@ -4118,7 +4135,7 @@
     </p:spTree>
     <p:extLst>
       <p:ext uri="{BB962C8B-B14F-4D97-AF65-F5344CB8AC3E}">
-        <p14:creationId xmlns:p14="http://schemas.microsoft.com/office/powerpoint/2010/main" xmlns="" val="1659815813"/>
+        <p14:creationId xmlns:p14="http://schemas.microsoft.com/office/powerpoint/2010/main" val="1659815813"/>
       </p:ext>
     </p:extLst>
   </p:cSld>
@@ -4291,7 +4308,7 @@
     </p:spTree>
     <p:extLst>
       <p:ext uri="{BB962C8B-B14F-4D97-AF65-F5344CB8AC3E}">
-        <p14:creationId xmlns:p14="http://schemas.microsoft.com/office/powerpoint/2010/main" xmlns="" val="3312747410"/>
+        <p14:creationId xmlns:p14="http://schemas.microsoft.com/office/powerpoint/2010/main" val="3312747410"/>
       </p:ext>
     </p:extLst>
   </p:cSld>
@@ -4556,7 +4573,7 @@
   <a:extraClrSchemeLst/>
   <a:extLst>
     <a:ext uri="{05A4C25C-085E-4340-85A3-A5531E510DB2}">
-      <thm15:themeFamily xmlns:thm15="http://schemas.microsoft.com/office/thememl/2012/main" xmlns="" name="Office Theme" id="{62F939B6-93AF-4DB8-9C6B-D6C7DFDC589F}" vid="{4A3C46E8-61CC-4603-A589-7422A47A8E4A}"/>
+      <thm15:themeFamily xmlns:thm15="http://schemas.microsoft.com/office/thememl/2012/main" name="Office Theme" id="{62F939B6-93AF-4DB8-9C6B-D6C7DFDC589F}" vid="{4A3C46E8-61CC-4603-A589-7422A47A8E4A}"/>
     </a:ext>
   </a:extLst>
 </a:theme>
